--- a/ISTR_IMAGES.pptx
+++ b/ISTR_IMAGES.pptx
@@ -5,7 +5,7 @@
     <p:sldMasterId id="2147483648" r:id="rId1"/>
   </p:sldMasterIdLst>
   <p:notesMasterIdLst>
-    <p:notesMasterId r:id="rId24"/>
+    <p:notesMasterId r:id="rId26"/>
   </p:notesMasterIdLst>
   <p:sldIdLst>
     <p:sldId id="257" r:id="rId2"/>
@@ -30,6 +30,8 @@
     <p:sldId id="276" r:id="rId21"/>
     <p:sldId id="278" r:id="rId22"/>
     <p:sldId id="277" r:id="rId23"/>
+    <p:sldId id="279" r:id="rId24"/>
+    <p:sldId id="280" r:id="rId25"/>
   </p:sldIdLst>
   <p:sldSz cx="12192000" cy="6858000"/>
   <p:notesSz cx="6858000" cy="9144000"/>
@@ -230,7 +232,7 @@
           <a:p>
             <a:fld id="{D6818C76-47DC-4E2C-8628-00D38B0F66EB}" type="datetimeFigureOut">
               <a:rPr lang="it-IT" smtClean="0"/>
-              <a:t>18/03/2021</a:t>
+              <a:t>30/03/2021</a:t>
             </a:fld>
             <a:endParaRPr lang="it-IT"/>
           </a:p>
@@ -606,6 +608,114 @@
 </p:notes>
 </file>
 
+<file path=ppt/notesSlides/notesSlide2.xml><?xml version="1.0" encoding="utf-8"?>
+<p:notes xmlns:a="http://schemas.openxmlformats.org/drawingml/2006/main" xmlns:r="http://schemas.openxmlformats.org/officeDocument/2006/relationships" xmlns:p="http://schemas.openxmlformats.org/presentationml/2006/main">
+  <p:cSld>
+    <p:spTree>
+      <p:nvGrpSpPr>
+        <p:cNvPr id="1" name=""/>
+        <p:cNvGrpSpPr/>
+        <p:nvPr/>
+      </p:nvGrpSpPr>
+      <p:grpSpPr>
+        <a:xfrm>
+          <a:off x="0" y="0"/>
+          <a:ext cx="0" cy="0"/>
+          <a:chOff x="0" y="0"/>
+          <a:chExt cx="0" cy="0"/>
+        </a:xfrm>
+      </p:grpSpPr>
+      <p:sp>
+        <p:nvSpPr>
+          <p:cNvPr id="2" name="Slide Image Placeholder 1"/>
+          <p:cNvSpPr>
+            <a:spLocks noGrp="1" noRot="1" noChangeAspect="1"/>
+          </p:cNvSpPr>
+          <p:nvPr>
+            <p:ph type="sldImg"/>
+          </p:nvPr>
+        </p:nvSpPr>
+        <p:spPr/>
+      </p:sp>
+      <p:sp>
+        <p:nvSpPr>
+          <p:cNvPr id="3" name="Notes Placeholder 2"/>
+          <p:cNvSpPr>
+            <a:spLocks noGrp="1"/>
+          </p:cNvSpPr>
+          <p:nvPr>
+            <p:ph type="body" idx="1"/>
+          </p:nvPr>
+        </p:nvSpPr>
+        <p:spPr/>
+        <p:txBody>
+          <a:bodyPr/>
+          <a:lstStyle/>
+          <a:p>
+            <a:pPr marL="0" marR="0" lvl="0" indent="0" algn="l" defTabSz="914400" rtl="0" eaLnBrk="1" fontAlgn="auto" latinLnBrk="0" hangingPunct="1">
+              <a:lnSpc>
+                <a:spcPct val="100000"/>
+              </a:lnSpc>
+              <a:spcBef>
+                <a:spcPts val="0"/>
+              </a:spcBef>
+              <a:spcAft>
+                <a:spcPts val="0"/>
+              </a:spcAft>
+              <a:buClrTx/>
+              <a:buSzTx/>
+              <a:buFontTx/>
+              <a:buNone/>
+              <a:tabLst/>
+              <a:defRPr/>
+            </a:pPr>
+            <a:r>
+              <a:rPr lang="en-GB" sz="1200" dirty="0"/>
+              <a:t>W</a:t>
+            </a:r>
+            <a:endParaRPr lang="it-IT" sz="1200" dirty="0"/>
+          </a:p>
+          <a:p>
+            <a:endParaRPr lang="it-IT" dirty="0"/>
+          </a:p>
+        </p:txBody>
+      </p:sp>
+      <p:sp>
+        <p:nvSpPr>
+          <p:cNvPr id="4" name="Slide Number Placeholder 3"/>
+          <p:cNvSpPr>
+            <a:spLocks noGrp="1"/>
+          </p:cNvSpPr>
+          <p:nvPr>
+            <p:ph type="sldNum" sz="quarter" idx="5"/>
+          </p:nvPr>
+        </p:nvSpPr>
+        <p:spPr/>
+        <p:txBody>
+          <a:bodyPr/>
+          <a:lstStyle/>
+          <a:p>
+            <a:fld id="{C376179A-AE16-450E-8E0A-49BB212165D1}" type="slidenum">
+              <a:rPr lang="it-IT" smtClean="0"/>
+              <a:t>24</a:t>
+            </a:fld>
+            <a:endParaRPr lang="it-IT"/>
+          </a:p>
+        </p:txBody>
+      </p:sp>
+    </p:spTree>
+    <p:extLst>
+      <p:ext uri="{BB962C8B-B14F-4D97-AF65-F5344CB8AC3E}">
+        <p14:creationId xmlns:p14="http://schemas.microsoft.com/office/powerpoint/2010/main" val="1830931694"/>
+      </p:ext>
+    </p:extLst>
+  </p:cSld>
+  <p:clrMapOvr>
+    <a:masterClrMapping/>
+  </p:clrMapOvr>
+</p:notes>
+</file>
+
 <file path=ppt/slideLayouts/slideLayout1.xml><?xml version="1.0" encoding="utf-8"?>
 <p:sldLayout xmlns:a="http://schemas.openxmlformats.org/drawingml/2006/main" xmlns:r="http://schemas.openxmlformats.org/officeDocument/2006/relationships" xmlns:p="http://schemas.openxmlformats.org/presentationml/2006/main" type="title" preserve="1">
   <p:cSld name="Title Slide">
@@ -755,7 +865,7 @@
           <a:p>
             <a:fld id="{53333D75-F27B-4A45-9C19-3BCADA93EF5B}" type="datetimeFigureOut">
               <a:rPr lang="it-IT" smtClean="0"/>
-              <a:t>18/03/2021</a:t>
+              <a:t>30/03/2021</a:t>
             </a:fld>
             <a:endParaRPr lang="it-IT"/>
           </a:p>
@@ -955,7 +1065,7 @@
           <a:p>
             <a:fld id="{53333D75-F27B-4A45-9C19-3BCADA93EF5B}" type="datetimeFigureOut">
               <a:rPr lang="it-IT" smtClean="0"/>
-              <a:t>18/03/2021</a:t>
+              <a:t>30/03/2021</a:t>
             </a:fld>
             <a:endParaRPr lang="it-IT"/>
           </a:p>
@@ -1165,7 +1275,7 @@
           <a:p>
             <a:fld id="{53333D75-F27B-4A45-9C19-3BCADA93EF5B}" type="datetimeFigureOut">
               <a:rPr lang="it-IT" smtClean="0"/>
-              <a:t>18/03/2021</a:t>
+              <a:t>30/03/2021</a:t>
             </a:fld>
             <a:endParaRPr lang="it-IT"/>
           </a:p>
@@ -1365,7 +1475,7 @@
           <a:p>
             <a:fld id="{53333D75-F27B-4A45-9C19-3BCADA93EF5B}" type="datetimeFigureOut">
               <a:rPr lang="it-IT" smtClean="0"/>
-              <a:t>18/03/2021</a:t>
+              <a:t>30/03/2021</a:t>
             </a:fld>
             <a:endParaRPr lang="it-IT"/>
           </a:p>
@@ -1641,7 +1751,7 @@
           <a:p>
             <a:fld id="{53333D75-F27B-4A45-9C19-3BCADA93EF5B}" type="datetimeFigureOut">
               <a:rPr lang="it-IT" smtClean="0"/>
-              <a:t>18/03/2021</a:t>
+              <a:t>30/03/2021</a:t>
             </a:fld>
             <a:endParaRPr lang="it-IT"/>
           </a:p>
@@ -1909,7 +2019,7 @@
           <a:p>
             <a:fld id="{53333D75-F27B-4A45-9C19-3BCADA93EF5B}" type="datetimeFigureOut">
               <a:rPr lang="it-IT" smtClean="0"/>
-              <a:t>18/03/2021</a:t>
+              <a:t>30/03/2021</a:t>
             </a:fld>
             <a:endParaRPr lang="it-IT"/>
           </a:p>
@@ -2324,7 +2434,7 @@
           <a:p>
             <a:fld id="{53333D75-F27B-4A45-9C19-3BCADA93EF5B}" type="datetimeFigureOut">
               <a:rPr lang="it-IT" smtClean="0"/>
-              <a:t>18/03/2021</a:t>
+              <a:t>30/03/2021</a:t>
             </a:fld>
             <a:endParaRPr lang="it-IT"/>
           </a:p>
@@ -2466,7 +2576,7 @@
           <a:p>
             <a:fld id="{53333D75-F27B-4A45-9C19-3BCADA93EF5B}" type="datetimeFigureOut">
               <a:rPr lang="it-IT" smtClean="0"/>
-              <a:t>18/03/2021</a:t>
+              <a:t>30/03/2021</a:t>
             </a:fld>
             <a:endParaRPr lang="it-IT"/>
           </a:p>
@@ -2579,7 +2689,7 @@
           <a:p>
             <a:fld id="{53333D75-F27B-4A45-9C19-3BCADA93EF5B}" type="datetimeFigureOut">
               <a:rPr lang="it-IT" smtClean="0"/>
-              <a:t>18/03/2021</a:t>
+              <a:t>30/03/2021</a:t>
             </a:fld>
             <a:endParaRPr lang="it-IT"/>
           </a:p>
@@ -2892,7 +3002,7 @@
           <a:p>
             <a:fld id="{53333D75-F27B-4A45-9C19-3BCADA93EF5B}" type="datetimeFigureOut">
               <a:rPr lang="it-IT" smtClean="0"/>
-              <a:t>18/03/2021</a:t>
+              <a:t>30/03/2021</a:t>
             </a:fld>
             <a:endParaRPr lang="it-IT"/>
           </a:p>
@@ -3181,7 +3291,7 @@
           <a:p>
             <a:fld id="{53333D75-F27B-4A45-9C19-3BCADA93EF5B}" type="datetimeFigureOut">
               <a:rPr lang="it-IT" smtClean="0"/>
-              <a:t>18/03/2021</a:t>
+              <a:t>30/03/2021</a:t>
             </a:fld>
             <a:endParaRPr lang="it-IT"/>
           </a:p>
@@ -3424,7 +3534,7 @@
           <a:p>
             <a:fld id="{53333D75-F27B-4A45-9C19-3BCADA93EF5B}" type="datetimeFigureOut">
               <a:rPr lang="it-IT" smtClean="0"/>
-              <a:t>18/03/2021</a:t>
+              <a:t>30/03/2021</a:t>
             </a:fld>
             <a:endParaRPr lang="it-IT"/>
           </a:p>
@@ -4066,7 +4176,7 @@
     <p:bg>
       <p:bgPr>
         <a:solidFill>
-          <a:schemeClr val="tx1"/>
+          <a:schemeClr val="bg1"/>
         </a:solidFill>
         <a:effectLst/>
       </p:bgPr>
@@ -4199,7 +4309,7 @@
     <p:bg>
       <p:bgPr>
         <a:solidFill>
-          <a:schemeClr val="tx1"/>
+          <a:schemeClr val="bg1"/>
         </a:solidFill>
         <a:effectLst/>
       </p:bgPr>
@@ -4465,7 +4575,7 @@
     <p:bg>
       <p:bgPr>
         <a:solidFill>
-          <a:schemeClr val="tx1"/>
+          <a:schemeClr val="bg1"/>
         </a:solidFill>
         <a:effectLst/>
       </p:bgPr>
@@ -4882,7 +4992,7 @@
     <p:bg>
       <p:bgPr>
         <a:solidFill>
-          <a:schemeClr val="tx1"/>
+          <a:schemeClr val="bg1"/>
         </a:solidFill>
         <a:effectLst/>
       </p:bgPr>
@@ -5625,7 +5735,7 @@
     <p:bg>
       <p:bgPr>
         <a:solidFill>
-          <a:schemeClr val="tx1"/>
+          <a:schemeClr val="bg1"/>
         </a:solidFill>
         <a:effectLst/>
       </p:bgPr>
@@ -9329,6 +9439,1669 @@
 </p:sld>
 </file>
 
+<file path=ppt/slides/slide23.xml><?xml version="1.0" encoding="utf-8"?>
+<p:sld xmlns:a="http://schemas.openxmlformats.org/drawingml/2006/main" xmlns:r="http://schemas.openxmlformats.org/officeDocument/2006/relationships" xmlns:p="http://schemas.openxmlformats.org/presentationml/2006/main">
+  <p:cSld>
+    <p:bg>
+      <p:bgPr>
+        <a:solidFill>
+          <a:schemeClr val="bg1"/>
+        </a:solidFill>
+        <a:effectLst/>
+      </p:bgPr>
+    </p:bg>
+    <p:spTree>
+      <p:nvGrpSpPr>
+        <p:cNvPr id="1" name=""/>
+        <p:cNvGrpSpPr/>
+        <p:nvPr/>
+      </p:nvGrpSpPr>
+      <p:grpSpPr>
+        <a:xfrm>
+          <a:off x="0" y="0"/>
+          <a:ext cx="0" cy="0"/>
+          <a:chOff x="0" y="0"/>
+          <a:chExt cx="0" cy="0"/>
+        </a:xfrm>
+      </p:grpSpPr>
+      <p:pic>
+        <p:nvPicPr>
+          <p:cNvPr id="11" name="Picture 10">
+            <a:extLst>
+              <a:ext uri="{FF2B5EF4-FFF2-40B4-BE49-F238E27FC236}">
+                <a16:creationId xmlns:a16="http://schemas.microsoft.com/office/drawing/2014/main" id="{2831A13C-87A6-43D2-BDCA-E5EFBD2F86DC}"/>
+              </a:ext>
+            </a:extLst>
+          </p:cNvPr>
+          <p:cNvPicPr>
+            <a:picLocks noChangeAspect="1"/>
+          </p:cNvPicPr>
+          <p:nvPr/>
+        </p:nvPicPr>
+        <p:blipFill>
+          <a:blip r:embed="rId2">
+            <a:extLst>
+              <a:ext uri="{28A0092B-C50C-407E-A947-70E740481C1C}">
+                <a14:useLocalDpi xmlns:a14="http://schemas.microsoft.com/office/drawing/2010/main" val="0"/>
+              </a:ext>
+            </a:extLst>
+          </a:blip>
+          <a:stretch>
+            <a:fillRect/>
+          </a:stretch>
+        </p:blipFill>
+        <p:spPr>
+          <a:xfrm>
+            <a:off x="484632" y="2145767"/>
+            <a:ext cx="2560320" cy="2560320"/>
+          </a:xfrm>
+          <a:prstGeom prst="rect">
+            <a:avLst/>
+          </a:prstGeom>
+        </p:spPr>
+      </p:pic>
+      <p:cxnSp>
+        <p:nvCxnSpPr>
+          <p:cNvPr id="19" name="Straight Connector 15">
+            <a:extLst>
+              <a:ext uri="{FF2B5EF4-FFF2-40B4-BE49-F238E27FC236}">
+                <a16:creationId xmlns:a16="http://schemas.microsoft.com/office/drawing/2014/main" id="{50DA1EB8-87CF-4588-A1FD-4756F9A28F6B}"/>
+              </a:ext>
+              <a:ext uri="{C183D7F6-B498-43B3-948B-1728B52AA6E4}">
+                <adec:decorative xmlns:adec="http://schemas.microsoft.com/office/drawing/2017/decorative" val="1"/>
+              </a:ext>
+            </a:extLst>
+          </p:cNvPr>
+          <p:cNvCxnSpPr>
+            <a:cxnSpLocks noGrp="1" noRot="1" noChangeAspect="1" noMove="1" noResize="1" noEditPoints="1" noAdjustHandles="1" noChangeArrowheads="1" noChangeShapeType="1"/>
+          </p:cNvCxnSpPr>
+          <p:nvPr>
+            <p:extLst>
+              <p:ext uri="{386F3935-93C4-4BCD-93E2-E3B085C9AB24}">
+                <p16:designElem xmlns:p16="http://schemas.microsoft.com/office/powerpoint/2015/main" val="1"/>
+              </p:ext>
+            </p:extLst>
+          </p:nvPr>
+        </p:nvCxnSpPr>
+        <p:spPr>
+          <a:xfrm>
+            <a:off x="3210079" y="1573887"/>
+            <a:ext cx="0" cy="3710227"/>
+          </a:xfrm>
+          <a:prstGeom prst="line">
+            <a:avLst/>
+          </a:prstGeom>
+          <a:ln w="19050">
+            <a:solidFill>
+              <a:srgbClr val="7F7F7F"/>
+            </a:solidFill>
+          </a:ln>
+        </p:spPr>
+        <p:style>
+          <a:lnRef idx="1">
+            <a:schemeClr val="accent1"/>
+          </a:lnRef>
+          <a:fillRef idx="0">
+            <a:schemeClr val="accent1"/>
+          </a:fillRef>
+          <a:effectRef idx="0">
+            <a:schemeClr val="accent1"/>
+          </a:effectRef>
+          <a:fontRef idx="minor">
+            <a:schemeClr val="tx1"/>
+          </a:fontRef>
+        </p:style>
+      </p:cxnSp>
+      <p:pic>
+        <p:nvPicPr>
+          <p:cNvPr id="9" name="Picture 8">
+            <a:extLst>
+              <a:ext uri="{FF2B5EF4-FFF2-40B4-BE49-F238E27FC236}">
+                <a16:creationId xmlns:a16="http://schemas.microsoft.com/office/drawing/2014/main" id="{FC8E6B56-A70C-4DEE-9125-26A59363F23E}"/>
+              </a:ext>
+            </a:extLst>
+          </p:cNvPr>
+          <p:cNvPicPr>
+            <a:picLocks noChangeAspect="1"/>
+          </p:cNvPicPr>
+          <p:nvPr/>
+        </p:nvPicPr>
+        <p:blipFill>
+          <a:blip r:embed="rId3">
+            <a:extLst>
+              <a:ext uri="{28A0092B-C50C-407E-A947-70E740481C1C}">
+                <a14:useLocalDpi xmlns:a14="http://schemas.microsoft.com/office/drawing/2010/main" val="0"/>
+              </a:ext>
+            </a:extLst>
+          </a:blip>
+          <a:stretch>
+            <a:fillRect/>
+          </a:stretch>
+        </p:blipFill>
+        <p:spPr>
+          <a:xfrm>
+            <a:off x="3354631" y="2145767"/>
+            <a:ext cx="2560320" cy="2560320"/>
+          </a:xfrm>
+          <a:prstGeom prst="rect">
+            <a:avLst/>
+          </a:prstGeom>
+        </p:spPr>
+      </p:pic>
+      <p:cxnSp>
+        <p:nvCxnSpPr>
+          <p:cNvPr id="18" name="Straight Connector 17">
+            <a:extLst>
+              <a:ext uri="{FF2B5EF4-FFF2-40B4-BE49-F238E27FC236}">
+                <a16:creationId xmlns:a16="http://schemas.microsoft.com/office/drawing/2014/main" id="{D7A4E378-EA57-47B9-B1EB-58B998F6CFFB}"/>
+              </a:ext>
+              <a:ext uri="{C183D7F6-B498-43B3-948B-1728B52AA6E4}">
+                <adec:decorative xmlns:adec="http://schemas.microsoft.com/office/drawing/2017/decorative" val="1"/>
+              </a:ext>
+            </a:extLst>
+          </p:cNvPr>
+          <p:cNvCxnSpPr>
+            <a:cxnSpLocks noGrp="1" noRot="1" noChangeAspect="1" noMove="1" noResize="1" noEditPoints="1" noAdjustHandles="1" noChangeArrowheads="1" noChangeShapeType="1"/>
+          </p:cNvCxnSpPr>
+          <p:nvPr>
+            <p:extLst>
+              <p:ext uri="{386F3935-93C4-4BCD-93E2-E3B085C9AB24}">
+                <p16:designElem xmlns:p16="http://schemas.microsoft.com/office/powerpoint/2015/main" val="1"/>
+              </p:ext>
+            </p:extLst>
+          </p:nvPr>
+        </p:nvCxnSpPr>
+        <p:spPr>
+          <a:xfrm>
+            <a:off x="6072595" y="1573887"/>
+            <a:ext cx="0" cy="3710227"/>
+          </a:xfrm>
+          <a:prstGeom prst="line">
+            <a:avLst/>
+          </a:prstGeom>
+          <a:ln w="19050">
+            <a:solidFill>
+              <a:srgbClr val="7F7F7F"/>
+            </a:solidFill>
+          </a:ln>
+        </p:spPr>
+        <p:style>
+          <a:lnRef idx="1">
+            <a:schemeClr val="accent1"/>
+          </a:lnRef>
+          <a:fillRef idx="0">
+            <a:schemeClr val="accent1"/>
+          </a:fillRef>
+          <a:effectRef idx="0">
+            <a:schemeClr val="accent1"/>
+          </a:effectRef>
+          <a:fontRef idx="minor">
+            <a:schemeClr val="tx1"/>
+          </a:fontRef>
+        </p:style>
+      </p:cxnSp>
+      <p:pic>
+        <p:nvPicPr>
+          <p:cNvPr id="5" name="Picture 4">
+            <a:extLst>
+              <a:ext uri="{FF2B5EF4-FFF2-40B4-BE49-F238E27FC236}">
+                <a16:creationId xmlns:a16="http://schemas.microsoft.com/office/drawing/2014/main" id="{8403B287-D6BF-472E-AF87-463C052ABC60}"/>
+              </a:ext>
+            </a:extLst>
+          </p:cNvPr>
+          <p:cNvPicPr>
+            <a:picLocks noChangeAspect="1"/>
+          </p:cNvPicPr>
+          <p:nvPr/>
+        </p:nvPicPr>
+        <p:blipFill>
+          <a:blip r:embed="rId4">
+            <a:extLst>
+              <a:ext uri="{28A0092B-C50C-407E-A947-70E740481C1C}">
+                <a14:useLocalDpi xmlns:a14="http://schemas.microsoft.com/office/drawing/2010/main" val="0"/>
+              </a:ext>
+            </a:extLst>
+          </a:blip>
+          <a:stretch>
+            <a:fillRect/>
+          </a:stretch>
+        </p:blipFill>
+        <p:spPr>
+          <a:xfrm>
+            <a:off x="6235726" y="2145767"/>
+            <a:ext cx="2560320" cy="2560320"/>
+          </a:xfrm>
+          <a:prstGeom prst="rect">
+            <a:avLst/>
+          </a:prstGeom>
+        </p:spPr>
+      </p:pic>
+      <p:cxnSp>
+        <p:nvCxnSpPr>
+          <p:cNvPr id="20" name="Straight Connector 19">
+            <a:extLst>
+              <a:ext uri="{FF2B5EF4-FFF2-40B4-BE49-F238E27FC236}">
+                <a16:creationId xmlns:a16="http://schemas.microsoft.com/office/drawing/2014/main" id="{D2B31ED6-76F0-425A-9A41-C947AEF9C145}"/>
+              </a:ext>
+              <a:ext uri="{C183D7F6-B498-43B3-948B-1728B52AA6E4}">
+                <adec:decorative xmlns:adec="http://schemas.microsoft.com/office/drawing/2017/decorative" val="1"/>
+              </a:ext>
+            </a:extLst>
+          </p:cNvPr>
+          <p:cNvCxnSpPr>
+            <a:cxnSpLocks noGrp="1" noRot="1" noChangeAspect="1" noMove="1" noResize="1" noEditPoints="1" noAdjustHandles="1" noChangeArrowheads="1" noChangeShapeType="1"/>
+          </p:cNvCxnSpPr>
+          <p:nvPr>
+            <p:extLst>
+              <p:ext uri="{386F3935-93C4-4BCD-93E2-E3B085C9AB24}">
+                <p16:designElem xmlns:p16="http://schemas.microsoft.com/office/powerpoint/2015/main" val="1"/>
+              </p:ext>
+            </p:extLst>
+          </p:nvPr>
+        </p:nvCxnSpPr>
+        <p:spPr>
+          <a:xfrm>
+            <a:off x="8956620" y="1573887"/>
+            <a:ext cx="0" cy="3710227"/>
+          </a:xfrm>
+          <a:prstGeom prst="line">
+            <a:avLst/>
+          </a:prstGeom>
+          <a:ln w="19050">
+            <a:solidFill>
+              <a:srgbClr val="7F7F7F"/>
+            </a:solidFill>
+          </a:ln>
+        </p:spPr>
+        <p:style>
+          <a:lnRef idx="1">
+            <a:schemeClr val="accent1"/>
+          </a:lnRef>
+          <a:fillRef idx="0">
+            <a:schemeClr val="accent1"/>
+          </a:fillRef>
+          <a:effectRef idx="0">
+            <a:schemeClr val="accent1"/>
+          </a:effectRef>
+          <a:fontRef idx="minor">
+            <a:schemeClr val="tx1"/>
+          </a:fontRef>
+        </p:style>
+      </p:cxnSp>
+      <p:pic>
+        <p:nvPicPr>
+          <p:cNvPr id="7" name="Picture 6">
+            <a:extLst>
+              <a:ext uri="{FF2B5EF4-FFF2-40B4-BE49-F238E27FC236}">
+                <a16:creationId xmlns:a16="http://schemas.microsoft.com/office/drawing/2014/main" id="{8850145B-3E02-4731-83F6-3690AB91880C}"/>
+              </a:ext>
+            </a:extLst>
+          </p:cNvPr>
+          <p:cNvPicPr>
+            <a:picLocks noChangeAspect="1"/>
+          </p:cNvPicPr>
+          <p:nvPr/>
+        </p:nvPicPr>
+        <p:blipFill>
+          <a:blip r:embed="rId5">
+            <a:extLst>
+              <a:ext uri="{28A0092B-C50C-407E-A947-70E740481C1C}">
+                <a14:useLocalDpi xmlns:a14="http://schemas.microsoft.com/office/drawing/2010/main" val="0"/>
+              </a:ext>
+            </a:extLst>
+          </a:blip>
+          <a:stretch>
+            <a:fillRect/>
+          </a:stretch>
+        </p:blipFill>
+        <p:spPr>
+          <a:xfrm>
+            <a:off x="9120662" y="2145767"/>
+            <a:ext cx="2560320" cy="2560320"/>
+          </a:xfrm>
+          <a:prstGeom prst="rect">
+            <a:avLst/>
+          </a:prstGeom>
+        </p:spPr>
+      </p:pic>
+    </p:spTree>
+    <p:extLst>
+      <p:ext uri="{BB962C8B-B14F-4D97-AF65-F5344CB8AC3E}">
+        <p14:creationId xmlns:p14="http://schemas.microsoft.com/office/powerpoint/2010/main" val="1064267179"/>
+      </p:ext>
+    </p:extLst>
+  </p:cSld>
+  <p:clrMapOvr>
+    <a:masterClrMapping/>
+  </p:clrMapOvr>
+</p:sld>
+</file>
+
+<file path=ppt/slides/slide24.xml><?xml version="1.0" encoding="utf-8"?>
+<p:sld xmlns:a="http://schemas.openxmlformats.org/drawingml/2006/main" xmlns:r="http://schemas.openxmlformats.org/officeDocument/2006/relationships" xmlns:p="http://schemas.openxmlformats.org/presentationml/2006/main">
+  <p:cSld>
+    <p:spTree>
+      <p:nvGrpSpPr>
+        <p:cNvPr id="1" name=""/>
+        <p:cNvGrpSpPr/>
+        <p:nvPr/>
+      </p:nvGrpSpPr>
+      <p:grpSpPr>
+        <a:xfrm>
+          <a:off x="0" y="0"/>
+          <a:ext cx="0" cy="0"/>
+          <a:chOff x="0" y="0"/>
+          <a:chExt cx="0" cy="0"/>
+        </a:xfrm>
+      </p:grpSpPr>
+      <p:grpSp>
+        <p:nvGrpSpPr>
+          <p:cNvPr id="36" name="Group 35">
+            <a:extLst>
+              <a:ext uri="{FF2B5EF4-FFF2-40B4-BE49-F238E27FC236}">
+                <a16:creationId xmlns:a16="http://schemas.microsoft.com/office/drawing/2014/main" id="{33EEC3F4-EFC4-4849-BFD8-359A64FB4AED}"/>
+              </a:ext>
+            </a:extLst>
+          </p:cNvPr>
+          <p:cNvGrpSpPr/>
+          <p:nvPr/>
+        </p:nvGrpSpPr>
+        <p:grpSpPr>
+          <a:xfrm>
+            <a:off x="5732403" y="1435572"/>
+            <a:ext cx="6124653" cy="3896410"/>
+            <a:chOff x="86138" y="1565510"/>
+            <a:chExt cx="6124653" cy="3896410"/>
+          </a:xfrm>
+        </p:grpSpPr>
+        <p:grpSp>
+          <p:nvGrpSpPr>
+            <p:cNvPr id="34" name="Group 33">
+              <a:extLst>
+                <a:ext uri="{FF2B5EF4-FFF2-40B4-BE49-F238E27FC236}">
+                  <a16:creationId xmlns:a16="http://schemas.microsoft.com/office/drawing/2014/main" id="{91EE8DE9-31D3-4B76-B46B-7DB731D32DFB}"/>
+                </a:ext>
+              </a:extLst>
+            </p:cNvPr>
+            <p:cNvGrpSpPr/>
+            <p:nvPr/>
+          </p:nvGrpSpPr>
+          <p:grpSpPr>
+            <a:xfrm>
+              <a:off x="86138" y="1565510"/>
+              <a:ext cx="5507826" cy="3896410"/>
+              <a:chOff x="86138" y="1565510"/>
+              <a:chExt cx="5507826" cy="3896410"/>
+            </a:xfrm>
+          </p:grpSpPr>
+          <p:grpSp>
+            <p:nvGrpSpPr>
+              <p:cNvPr id="8" name="Group 7">
+                <a:extLst>
+                  <a:ext uri="{FF2B5EF4-FFF2-40B4-BE49-F238E27FC236}">
+                    <a16:creationId xmlns:a16="http://schemas.microsoft.com/office/drawing/2014/main" id="{4D5619EB-AE2A-4C23-AC25-BE5B5821BDF1}"/>
+                  </a:ext>
+                </a:extLst>
+              </p:cNvPr>
+              <p:cNvGrpSpPr/>
+              <p:nvPr/>
+            </p:nvGrpSpPr>
+            <p:grpSpPr>
+              <a:xfrm>
+                <a:off x="86138" y="1565510"/>
+                <a:ext cx="5507826" cy="3896410"/>
+                <a:chOff x="1679157" y="783822"/>
+                <a:chExt cx="8587695" cy="5227293"/>
+              </a:xfrm>
+            </p:grpSpPr>
+            <p:pic>
+              <p:nvPicPr>
+                <p:cNvPr id="13" name="Picture 12" descr="A picture containing chart&#10;&#10;Description automatically generated">
+                  <a:extLst>
+                    <a:ext uri="{FF2B5EF4-FFF2-40B4-BE49-F238E27FC236}">
+                      <a16:creationId xmlns:a16="http://schemas.microsoft.com/office/drawing/2014/main" id="{6C0C42F4-D03B-4A8E-B52A-0C88F4DD22BB}"/>
+                    </a:ext>
+                  </a:extLst>
+                </p:cNvPr>
+                <p:cNvPicPr>
+                  <a:picLocks noChangeAspect="1"/>
+                </p:cNvPicPr>
+                <p:nvPr/>
+              </p:nvPicPr>
+              <p:blipFill rotWithShape="1">
+                <a:blip r:embed="rId3">
+                  <a:extLst>
+                    <a:ext uri="{28A0092B-C50C-407E-A947-70E740481C1C}">
+                      <a14:useLocalDpi xmlns:a14="http://schemas.microsoft.com/office/drawing/2010/main" val="0"/>
+                    </a:ext>
+                  </a:extLst>
+                </a:blip>
+                <a:srcRect l="7143" t="9495" r="5918" b="8784"/>
+                <a:stretch/>
+              </p:blipFill>
+              <p:spPr>
+                <a:xfrm>
+                  <a:off x="3405351" y="1376855"/>
+                  <a:ext cx="5160579" cy="3111061"/>
+                </a:xfrm>
+                <a:prstGeom prst="rect">
+                  <a:avLst/>
+                </a:prstGeom>
+              </p:spPr>
+            </p:pic>
+            <p:grpSp>
+              <p:nvGrpSpPr>
+                <p:cNvPr id="14" name="Group 13">
+                  <a:extLst>
+                    <a:ext uri="{FF2B5EF4-FFF2-40B4-BE49-F238E27FC236}">
+                      <a16:creationId xmlns:a16="http://schemas.microsoft.com/office/drawing/2014/main" id="{5B0E0FA9-1789-4491-B4EE-57564675867E}"/>
+                    </a:ext>
+                  </a:extLst>
+                </p:cNvPr>
+                <p:cNvGrpSpPr/>
+                <p:nvPr/>
+              </p:nvGrpSpPr>
+              <p:grpSpPr>
+                <a:xfrm>
+                  <a:off x="1679157" y="783822"/>
+                  <a:ext cx="8587695" cy="5227293"/>
+                  <a:chOff x="1679157" y="783822"/>
+                  <a:chExt cx="8587695" cy="5227293"/>
+                </a:xfrm>
+              </p:grpSpPr>
+              <p:sp>
+                <p:nvSpPr>
+                  <p:cNvPr id="15" name="Freeform: Shape 14">
+                    <a:extLst>
+                      <a:ext uri="{FF2B5EF4-FFF2-40B4-BE49-F238E27FC236}">
+                        <a16:creationId xmlns:a16="http://schemas.microsoft.com/office/drawing/2014/main" id="{3FEF38C3-A3E8-4FD1-901E-D4DBEE56903F}"/>
+                      </a:ext>
+                    </a:extLst>
+                  </p:cNvPr>
+                  <p:cNvSpPr/>
+                  <p:nvPr/>
+                </p:nvSpPr>
+                <p:spPr>
+                  <a:xfrm>
+                    <a:off x="2799291" y="783822"/>
+                    <a:ext cx="6347427" cy="4293847"/>
+                  </a:xfrm>
+                  <a:custGeom>
+                    <a:avLst/>
+                    <a:gdLst>
+                      <a:gd name="connsiteX0" fmla="*/ 5787361 w 6347427"/>
+                      <a:gd name="connsiteY0" fmla="*/ 3733781 h 4293847"/>
+                      <a:gd name="connsiteX1" fmla="*/ 560067 w 6347427"/>
+                      <a:gd name="connsiteY1" fmla="*/ 3733781 h 4293847"/>
+                      <a:gd name="connsiteX2" fmla="*/ 560067 w 6347427"/>
+                      <a:gd name="connsiteY2" fmla="*/ 560067 h 4293847"/>
+                      <a:gd name="connsiteX3" fmla="*/ 5787361 w 6347427"/>
+                      <a:gd name="connsiteY3" fmla="*/ 560067 h 4293847"/>
+                      <a:gd name="connsiteX4" fmla="*/ 5787361 w 6347427"/>
+                      <a:gd name="connsiteY4" fmla="*/ 3733781 h 4293847"/>
+                      <a:gd name="connsiteX5" fmla="*/ 6347428 w 6347427"/>
+                      <a:gd name="connsiteY5" fmla="*/ 373378 h 4293847"/>
+                      <a:gd name="connsiteX6" fmla="*/ 5974050 w 6347427"/>
+                      <a:gd name="connsiteY6" fmla="*/ 0 h 4293847"/>
+                      <a:gd name="connsiteX7" fmla="*/ 373378 w 6347427"/>
+                      <a:gd name="connsiteY7" fmla="*/ 0 h 4293847"/>
+                      <a:gd name="connsiteX8" fmla="*/ 0 w 6347427"/>
+                      <a:gd name="connsiteY8" fmla="*/ 373378 h 4293847"/>
+                      <a:gd name="connsiteX9" fmla="*/ 0 w 6347427"/>
+                      <a:gd name="connsiteY9" fmla="*/ 4293848 h 4293847"/>
+                      <a:gd name="connsiteX10" fmla="*/ 6347428 w 6347427"/>
+                      <a:gd name="connsiteY10" fmla="*/ 4293848 h 4293847"/>
+                      <a:gd name="connsiteX11" fmla="*/ 6347428 w 6347427"/>
+                      <a:gd name="connsiteY11" fmla="*/ 373378 h 4293847"/>
+                    </a:gdLst>
+                    <a:ahLst/>
+                    <a:cxnLst>
+                      <a:cxn ang="0">
+                        <a:pos x="connsiteX0" y="connsiteY0"/>
+                      </a:cxn>
+                      <a:cxn ang="0">
+                        <a:pos x="connsiteX1" y="connsiteY1"/>
+                      </a:cxn>
+                      <a:cxn ang="0">
+                        <a:pos x="connsiteX2" y="connsiteY2"/>
+                      </a:cxn>
+                      <a:cxn ang="0">
+                        <a:pos x="connsiteX3" y="connsiteY3"/>
+                      </a:cxn>
+                      <a:cxn ang="0">
+                        <a:pos x="connsiteX4" y="connsiteY4"/>
+                      </a:cxn>
+                      <a:cxn ang="0">
+                        <a:pos x="connsiteX5" y="connsiteY5"/>
+                      </a:cxn>
+                      <a:cxn ang="0">
+                        <a:pos x="connsiteX6" y="connsiteY6"/>
+                      </a:cxn>
+                      <a:cxn ang="0">
+                        <a:pos x="connsiteX7" y="connsiteY7"/>
+                      </a:cxn>
+                      <a:cxn ang="0">
+                        <a:pos x="connsiteX8" y="connsiteY8"/>
+                      </a:cxn>
+                      <a:cxn ang="0">
+                        <a:pos x="connsiteX9" y="connsiteY9"/>
+                      </a:cxn>
+                      <a:cxn ang="0">
+                        <a:pos x="connsiteX10" y="connsiteY10"/>
+                      </a:cxn>
+                      <a:cxn ang="0">
+                        <a:pos x="connsiteX11" y="connsiteY11"/>
+                      </a:cxn>
+                    </a:cxnLst>
+                    <a:rect l="l" t="t" r="r" b="b"/>
+                    <a:pathLst>
+                      <a:path w="6347427" h="4293847">
+                        <a:moveTo>
+                          <a:pt x="5787361" y="3733781"/>
+                        </a:moveTo>
+                        <a:lnTo>
+                          <a:pt x="560067" y="3733781"/>
+                        </a:lnTo>
+                        <a:lnTo>
+                          <a:pt x="560067" y="560067"/>
+                        </a:lnTo>
+                        <a:lnTo>
+                          <a:pt x="5787361" y="560067"/>
+                        </a:lnTo>
+                        <a:lnTo>
+                          <a:pt x="5787361" y="3733781"/>
+                        </a:lnTo>
+                        <a:close/>
+                        <a:moveTo>
+                          <a:pt x="6347428" y="373378"/>
+                        </a:moveTo>
+                        <a:cubicBezTo>
+                          <a:pt x="6347428" y="168020"/>
+                          <a:pt x="6179407" y="0"/>
+                          <a:pt x="5974050" y="0"/>
+                        </a:cubicBezTo>
+                        <a:lnTo>
+                          <a:pt x="373378" y="0"/>
+                        </a:lnTo>
+                        <a:cubicBezTo>
+                          <a:pt x="168020" y="0"/>
+                          <a:pt x="0" y="168020"/>
+                          <a:pt x="0" y="373378"/>
+                        </a:cubicBezTo>
+                        <a:lnTo>
+                          <a:pt x="0" y="4293848"/>
+                        </a:lnTo>
+                        <a:lnTo>
+                          <a:pt x="6347428" y="4293848"/>
+                        </a:lnTo>
+                        <a:lnTo>
+                          <a:pt x="6347428" y="373378"/>
+                        </a:lnTo>
+                        <a:close/>
+                      </a:path>
+                    </a:pathLst>
+                  </a:custGeom>
+                  <a:solidFill>
+                    <a:schemeClr val="bg1">
+                      <a:lumMod val="65000"/>
+                    </a:schemeClr>
+                  </a:solidFill>
+                  <a:ln w="93266" cap="flat">
+                    <a:solidFill>
+                      <a:schemeClr val="tx1">
+                        <a:lumMod val="50000"/>
+                        <a:lumOff val="50000"/>
+                      </a:schemeClr>
+                    </a:solidFill>
+                    <a:prstDash val="solid"/>
+                    <a:miter/>
+                  </a:ln>
+                </p:spPr>
+                <p:txBody>
+                  <a:bodyPr rtlCol="0" anchor="ctr"/>
+                  <a:lstStyle/>
+                  <a:p>
+                    <a:endParaRPr lang="it-IT"/>
+                  </a:p>
+                </p:txBody>
+              </p:sp>
+              <p:sp>
+                <p:nvSpPr>
+                  <p:cNvPr id="16" name="Freeform: Shape 15">
+                    <a:extLst>
+                      <a:ext uri="{FF2B5EF4-FFF2-40B4-BE49-F238E27FC236}">
+                        <a16:creationId xmlns:a16="http://schemas.microsoft.com/office/drawing/2014/main" id="{221A44D1-C4E1-4D70-A74E-4D729411883B}"/>
+                      </a:ext>
+                    </a:extLst>
+                  </p:cNvPr>
+                  <p:cNvSpPr/>
+                  <p:nvPr/>
+                </p:nvSpPr>
+                <p:spPr>
+                  <a:xfrm>
+                    <a:off x="1679157" y="5451048"/>
+                    <a:ext cx="8587695" cy="560067"/>
+                  </a:xfrm>
+                  <a:custGeom>
+                    <a:avLst/>
+                    <a:gdLst>
+                      <a:gd name="connsiteX0" fmla="*/ 4853915 w 8587695"/>
+                      <a:gd name="connsiteY0" fmla="*/ 0 h 560067"/>
+                      <a:gd name="connsiteX1" fmla="*/ 4853915 w 8587695"/>
+                      <a:gd name="connsiteY1" fmla="*/ 93345 h 560067"/>
+                      <a:gd name="connsiteX2" fmla="*/ 4760571 w 8587695"/>
+                      <a:gd name="connsiteY2" fmla="*/ 186689 h 560067"/>
+                      <a:gd name="connsiteX3" fmla="*/ 3827125 w 8587695"/>
+                      <a:gd name="connsiteY3" fmla="*/ 186689 h 560067"/>
+                      <a:gd name="connsiteX4" fmla="*/ 3733781 w 8587695"/>
+                      <a:gd name="connsiteY4" fmla="*/ 93345 h 560067"/>
+                      <a:gd name="connsiteX5" fmla="*/ 3733781 w 8587695"/>
+                      <a:gd name="connsiteY5" fmla="*/ 0 h 560067"/>
+                      <a:gd name="connsiteX6" fmla="*/ 0 w 8587695"/>
+                      <a:gd name="connsiteY6" fmla="*/ 0 h 560067"/>
+                      <a:gd name="connsiteX7" fmla="*/ 0 w 8587695"/>
+                      <a:gd name="connsiteY7" fmla="*/ 186689 h 560067"/>
+                      <a:gd name="connsiteX8" fmla="*/ 373378 w 8587695"/>
+                      <a:gd name="connsiteY8" fmla="*/ 560067 h 560067"/>
+                      <a:gd name="connsiteX9" fmla="*/ 8214318 w 8587695"/>
+                      <a:gd name="connsiteY9" fmla="*/ 560067 h 560067"/>
+                      <a:gd name="connsiteX10" fmla="*/ 8587696 w 8587695"/>
+                      <a:gd name="connsiteY10" fmla="*/ 186689 h 560067"/>
+                      <a:gd name="connsiteX11" fmla="*/ 8587696 w 8587695"/>
+                      <a:gd name="connsiteY11" fmla="*/ 0 h 560067"/>
+                      <a:gd name="connsiteX12" fmla="*/ 4853915 w 8587695"/>
+                      <a:gd name="connsiteY12" fmla="*/ 0 h 560067"/>
+                    </a:gdLst>
+                    <a:ahLst/>
+                    <a:cxnLst>
+                      <a:cxn ang="0">
+                        <a:pos x="connsiteX0" y="connsiteY0"/>
+                      </a:cxn>
+                      <a:cxn ang="0">
+                        <a:pos x="connsiteX1" y="connsiteY1"/>
+                      </a:cxn>
+                      <a:cxn ang="0">
+                        <a:pos x="connsiteX2" y="connsiteY2"/>
+                      </a:cxn>
+                      <a:cxn ang="0">
+                        <a:pos x="connsiteX3" y="connsiteY3"/>
+                      </a:cxn>
+                      <a:cxn ang="0">
+                        <a:pos x="connsiteX4" y="connsiteY4"/>
+                      </a:cxn>
+                      <a:cxn ang="0">
+                        <a:pos x="connsiteX5" y="connsiteY5"/>
+                      </a:cxn>
+                      <a:cxn ang="0">
+                        <a:pos x="connsiteX6" y="connsiteY6"/>
+                      </a:cxn>
+                      <a:cxn ang="0">
+                        <a:pos x="connsiteX7" y="connsiteY7"/>
+                      </a:cxn>
+                      <a:cxn ang="0">
+                        <a:pos x="connsiteX8" y="connsiteY8"/>
+                      </a:cxn>
+                      <a:cxn ang="0">
+                        <a:pos x="connsiteX9" y="connsiteY9"/>
+                      </a:cxn>
+                      <a:cxn ang="0">
+                        <a:pos x="connsiteX10" y="connsiteY10"/>
+                      </a:cxn>
+                      <a:cxn ang="0">
+                        <a:pos x="connsiteX11" y="connsiteY11"/>
+                      </a:cxn>
+                      <a:cxn ang="0">
+                        <a:pos x="connsiteX12" y="connsiteY12"/>
+                      </a:cxn>
+                    </a:cxnLst>
+                    <a:rect l="l" t="t" r="r" b="b"/>
+                    <a:pathLst>
+                      <a:path w="8587695" h="560067">
+                        <a:moveTo>
+                          <a:pt x="4853915" y="0"/>
+                        </a:moveTo>
+                        <a:lnTo>
+                          <a:pt x="4853915" y="93345"/>
+                        </a:lnTo>
+                        <a:cubicBezTo>
+                          <a:pt x="4853915" y="149351"/>
+                          <a:pt x="4816577" y="186689"/>
+                          <a:pt x="4760571" y="186689"/>
+                        </a:cubicBezTo>
+                        <a:lnTo>
+                          <a:pt x="3827125" y="186689"/>
+                        </a:lnTo>
+                        <a:cubicBezTo>
+                          <a:pt x="3771119" y="186689"/>
+                          <a:pt x="3733781" y="149351"/>
+                          <a:pt x="3733781" y="93345"/>
+                        </a:cubicBezTo>
+                        <a:lnTo>
+                          <a:pt x="3733781" y="0"/>
+                        </a:lnTo>
+                        <a:lnTo>
+                          <a:pt x="0" y="0"/>
+                        </a:lnTo>
+                        <a:lnTo>
+                          <a:pt x="0" y="186689"/>
+                        </a:lnTo>
+                        <a:cubicBezTo>
+                          <a:pt x="0" y="392047"/>
+                          <a:pt x="168020" y="560067"/>
+                          <a:pt x="373378" y="560067"/>
+                        </a:cubicBezTo>
+                        <a:lnTo>
+                          <a:pt x="8214318" y="560067"/>
+                        </a:lnTo>
+                        <a:cubicBezTo>
+                          <a:pt x="8419675" y="560067"/>
+                          <a:pt x="8587696" y="392047"/>
+                          <a:pt x="8587696" y="186689"/>
+                        </a:cubicBezTo>
+                        <a:lnTo>
+                          <a:pt x="8587696" y="0"/>
+                        </a:lnTo>
+                        <a:lnTo>
+                          <a:pt x="4853915" y="0"/>
+                        </a:lnTo>
+                        <a:close/>
+                      </a:path>
+                    </a:pathLst>
+                  </a:custGeom>
+                  <a:solidFill>
+                    <a:schemeClr val="bg1">
+                      <a:lumMod val="65000"/>
+                    </a:schemeClr>
+                  </a:solidFill>
+                  <a:ln w="93266" cap="flat">
+                    <a:solidFill>
+                      <a:schemeClr val="tx1">
+                        <a:lumMod val="50000"/>
+                        <a:lumOff val="50000"/>
+                      </a:schemeClr>
+                    </a:solidFill>
+                    <a:prstDash val="solid"/>
+                    <a:miter/>
+                  </a:ln>
+                </p:spPr>
+                <p:txBody>
+                  <a:bodyPr rtlCol="0" anchor="ctr"/>
+                  <a:lstStyle/>
+                  <a:p>
+                    <a:endParaRPr lang="it-IT"/>
+                  </a:p>
+                </p:txBody>
+              </p:sp>
+            </p:grpSp>
+          </p:grpSp>
+          <p:sp>
+            <p:nvSpPr>
+              <p:cNvPr id="6" name="Rectangle 5">
+                <a:extLst>
+                  <a:ext uri="{FF2B5EF4-FFF2-40B4-BE49-F238E27FC236}">
+                    <a16:creationId xmlns:a16="http://schemas.microsoft.com/office/drawing/2014/main" id="{7AFF3A33-0089-4EC2-807A-84C640BC1E6A}"/>
+                  </a:ext>
+                </a:extLst>
+              </p:cNvPr>
+              <p:cNvSpPr/>
+              <p:nvPr/>
+            </p:nvSpPr>
+            <p:spPr>
+              <a:xfrm>
+                <a:off x="2475145" y="2733869"/>
+                <a:ext cx="903286" cy="924457"/>
+              </a:xfrm>
+              <a:prstGeom prst="rect">
+                <a:avLst/>
+              </a:prstGeom>
+              <a:solidFill>
+                <a:srgbClr val="FFFF01"/>
+              </a:solidFill>
+              <a:ln>
+                <a:noFill/>
+              </a:ln>
+            </p:spPr>
+            <p:style>
+              <a:lnRef idx="2">
+                <a:schemeClr val="accent1">
+                  <a:shade val="50000"/>
+                </a:schemeClr>
+              </a:lnRef>
+              <a:fillRef idx="1">
+                <a:schemeClr val="accent1"/>
+              </a:fillRef>
+              <a:effectRef idx="0">
+                <a:schemeClr val="accent1"/>
+              </a:effectRef>
+              <a:fontRef idx="minor">
+                <a:schemeClr val="lt1"/>
+              </a:fontRef>
+            </p:style>
+            <p:txBody>
+              <a:bodyPr rtlCol="0" anchor="ctr"/>
+              <a:lstStyle/>
+              <a:p>
+                <a:pPr algn="ctr"/>
+                <a:endParaRPr lang="it-IT"/>
+              </a:p>
+            </p:txBody>
+          </p:sp>
+        </p:grpSp>
+        <p:grpSp>
+          <p:nvGrpSpPr>
+            <p:cNvPr id="23" name="Group 22">
+              <a:extLst>
+                <a:ext uri="{FF2B5EF4-FFF2-40B4-BE49-F238E27FC236}">
+                  <a16:creationId xmlns:a16="http://schemas.microsoft.com/office/drawing/2014/main" id="{0FA3A1ED-9C8C-4090-9878-4E546C76D78C}"/>
+                </a:ext>
+              </a:extLst>
+            </p:cNvPr>
+            <p:cNvGrpSpPr/>
+            <p:nvPr/>
+          </p:nvGrpSpPr>
+          <p:grpSpPr>
+            <a:xfrm>
+              <a:off x="4977137" y="1591045"/>
+              <a:ext cx="1233654" cy="1198660"/>
+              <a:chOff x="9392709" y="1229711"/>
+              <a:chExt cx="1923489" cy="1608082"/>
+            </a:xfrm>
+          </p:grpSpPr>
+          <p:pic>
+            <p:nvPicPr>
+              <p:cNvPr id="24" name="Graphic 23" descr="Volume with solid fill">
+                <a:extLst>
+                  <a:ext uri="{FF2B5EF4-FFF2-40B4-BE49-F238E27FC236}">
+                    <a16:creationId xmlns:a16="http://schemas.microsoft.com/office/drawing/2014/main" id="{437779FF-38AB-4FF7-ACD9-279E3C51355B}"/>
+                  </a:ext>
+                </a:extLst>
+              </p:cNvPr>
+              <p:cNvPicPr>
+                <a:picLocks noChangeAspect="1"/>
+              </p:cNvPicPr>
+              <p:nvPr/>
+            </p:nvPicPr>
+            <p:blipFill>
+              <a:blip r:embed="rId4">
+                <a:extLst>
+                  <a:ext uri="{28A0092B-C50C-407E-A947-70E740481C1C}">
+                    <a14:useLocalDpi xmlns:a14="http://schemas.microsoft.com/office/drawing/2010/main" val="0"/>
+                  </a:ext>
+                  <a:ext uri="{96DAC541-7B7A-43D3-8B79-37D633B846F1}">
+                    <asvg:svgBlip xmlns:asvg="http://schemas.microsoft.com/office/drawing/2016/SVG/main" r:embed="rId5"/>
+                  </a:ext>
+                </a:extLst>
+              </a:blip>
+              <a:stretch>
+                <a:fillRect/>
+              </a:stretch>
+            </p:blipFill>
+            <p:spPr>
+              <a:xfrm>
+                <a:off x="9507598" y="1655379"/>
+                <a:ext cx="845169" cy="822960"/>
+              </a:xfrm>
+              <a:prstGeom prst="rect">
+                <a:avLst/>
+              </a:prstGeom>
+            </p:spPr>
+          </p:pic>
+          <p:sp>
+            <p:nvSpPr>
+              <p:cNvPr id="25" name="Rectangle: Rounded Corners 24">
+                <a:extLst>
+                  <a:ext uri="{FF2B5EF4-FFF2-40B4-BE49-F238E27FC236}">
+                    <a16:creationId xmlns:a16="http://schemas.microsoft.com/office/drawing/2014/main" id="{AC11ED63-5330-46A1-9A43-14359378F34F}"/>
+                  </a:ext>
+                </a:extLst>
+              </p:cNvPr>
+              <p:cNvSpPr/>
+              <p:nvPr/>
+            </p:nvSpPr>
+            <p:spPr>
+              <a:xfrm>
+                <a:off x="9392709" y="1229711"/>
+                <a:ext cx="1923489" cy="1608082"/>
+              </a:xfrm>
+              <a:prstGeom prst="roundRect">
+                <a:avLst/>
+              </a:prstGeom>
+              <a:noFill/>
+              <a:ln>
+                <a:solidFill>
+                  <a:schemeClr val="bg2">
+                    <a:lumMod val="90000"/>
+                  </a:schemeClr>
+                </a:solidFill>
+              </a:ln>
+            </p:spPr>
+            <p:style>
+              <a:lnRef idx="2">
+                <a:schemeClr val="accent1">
+                  <a:shade val="50000"/>
+                </a:schemeClr>
+              </a:lnRef>
+              <a:fillRef idx="1">
+                <a:schemeClr val="accent1"/>
+              </a:fillRef>
+              <a:effectRef idx="0">
+                <a:schemeClr val="accent1"/>
+              </a:effectRef>
+              <a:fontRef idx="minor">
+                <a:schemeClr val="lt1"/>
+              </a:fontRef>
+            </p:style>
+            <p:txBody>
+              <a:bodyPr rtlCol="0" anchor="ctr"/>
+              <a:lstStyle/>
+              <a:p>
+                <a:pPr algn="ctr"/>
+                <a:endParaRPr lang="it-IT"/>
+              </a:p>
+            </p:txBody>
+          </p:sp>
+          <p:pic>
+            <p:nvPicPr>
+              <p:cNvPr id="26" name="Graphic 25" descr="Badge Cross with solid fill">
+                <a:extLst>
+                  <a:ext uri="{FF2B5EF4-FFF2-40B4-BE49-F238E27FC236}">
+                    <a16:creationId xmlns:a16="http://schemas.microsoft.com/office/drawing/2014/main" id="{745CEF24-3EA2-40FD-A422-02AB82707CB6}"/>
+                  </a:ext>
+                </a:extLst>
+              </p:cNvPr>
+              <p:cNvPicPr>
+                <a:picLocks noChangeAspect="1"/>
+              </p:cNvPicPr>
+              <p:nvPr/>
+            </p:nvPicPr>
+            <p:blipFill>
+              <a:blip r:embed="rId6">
+                <a:extLst>
+                  <a:ext uri="{28A0092B-C50C-407E-A947-70E740481C1C}">
+                    <a14:useLocalDpi xmlns:a14="http://schemas.microsoft.com/office/drawing/2010/main" val="0"/>
+                  </a:ext>
+                  <a:ext uri="{96DAC541-7B7A-43D3-8B79-37D633B846F1}">
+                    <asvg:svgBlip xmlns:asvg="http://schemas.microsoft.com/office/drawing/2016/SVG/main" r:embed="rId7"/>
+                  </a:ext>
+                </a:extLst>
+              </a:blip>
+              <a:stretch>
+                <a:fillRect/>
+              </a:stretch>
+            </p:blipFill>
+            <p:spPr>
+              <a:xfrm>
+                <a:off x="10352767" y="1609659"/>
+                <a:ext cx="914400" cy="914400"/>
+              </a:xfrm>
+              <a:prstGeom prst="rect">
+                <a:avLst/>
+              </a:prstGeom>
+            </p:spPr>
+          </p:pic>
+        </p:grpSp>
+      </p:grpSp>
+      <p:grpSp>
+        <p:nvGrpSpPr>
+          <p:cNvPr id="37" name="Group 36">
+            <a:extLst>
+              <a:ext uri="{FF2B5EF4-FFF2-40B4-BE49-F238E27FC236}">
+                <a16:creationId xmlns:a16="http://schemas.microsoft.com/office/drawing/2014/main" id="{243E2CEB-B999-484E-8E21-F29649215043}"/>
+              </a:ext>
+            </a:extLst>
+          </p:cNvPr>
+          <p:cNvGrpSpPr/>
+          <p:nvPr/>
+        </p:nvGrpSpPr>
+        <p:grpSpPr>
+          <a:xfrm>
+            <a:off x="126729" y="1426744"/>
+            <a:ext cx="6232753" cy="3896410"/>
+            <a:chOff x="5784946" y="1566357"/>
+            <a:chExt cx="6232753" cy="3896410"/>
+          </a:xfrm>
+        </p:grpSpPr>
+        <p:pic>
+          <p:nvPicPr>
+            <p:cNvPr id="22" name="Picture 21" descr="A picture containing shape&#10;&#10;Description automatically generated">
+              <a:extLst>
+                <a:ext uri="{FF2B5EF4-FFF2-40B4-BE49-F238E27FC236}">
+                  <a16:creationId xmlns:a16="http://schemas.microsoft.com/office/drawing/2014/main" id="{421769E3-FD26-483B-8E46-50BF57E1E0AE}"/>
+                </a:ext>
+              </a:extLst>
+            </p:cNvPr>
+            <p:cNvPicPr>
+              <a:picLocks noChangeAspect="1"/>
+            </p:cNvPicPr>
+            <p:nvPr/>
+          </p:nvPicPr>
+          <p:blipFill rotWithShape="1">
+            <a:blip r:embed="rId8">
+              <a:extLst>
+                <a:ext uri="{28A0092B-C50C-407E-A947-70E740481C1C}">
+                  <a14:useLocalDpi xmlns:a14="http://schemas.microsoft.com/office/drawing/2010/main" val="0"/>
+                </a:ext>
+              </a:extLst>
+            </a:blip>
+            <a:srcRect l="10490" t="11935" r="7870" b="15336"/>
+            <a:stretch/>
+          </p:blipFill>
+          <p:spPr>
+            <a:xfrm>
+              <a:off x="6885323" y="2016239"/>
+              <a:ext cx="3303060" cy="2295473"/>
+            </a:xfrm>
+            <a:prstGeom prst="rect">
+              <a:avLst/>
+            </a:prstGeom>
+          </p:spPr>
+        </p:pic>
+        <p:grpSp>
+          <p:nvGrpSpPr>
+            <p:cNvPr id="3" name="Group 2">
+              <a:extLst>
+                <a:ext uri="{FF2B5EF4-FFF2-40B4-BE49-F238E27FC236}">
+                  <a16:creationId xmlns:a16="http://schemas.microsoft.com/office/drawing/2014/main" id="{EC64A9F9-3401-4AB4-931A-DC641C3746B4}"/>
+                </a:ext>
+              </a:extLst>
+            </p:cNvPr>
+            <p:cNvGrpSpPr/>
+            <p:nvPr/>
+          </p:nvGrpSpPr>
+          <p:grpSpPr>
+            <a:xfrm>
+              <a:off x="5784946" y="1566357"/>
+              <a:ext cx="6232753" cy="3896410"/>
+              <a:chOff x="5784946" y="1566357"/>
+              <a:chExt cx="6232753" cy="3896410"/>
+            </a:xfrm>
+          </p:grpSpPr>
+          <p:grpSp>
+            <p:nvGrpSpPr>
+              <p:cNvPr id="9" name="Group 8">
+                <a:extLst>
+                  <a:ext uri="{FF2B5EF4-FFF2-40B4-BE49-F238E27FC236}">
+                    <a16:creationId xmlns:a16="http://schemas.microsoft.com/office/drawing/2014/main" id="{623A13B9-D74E-458C-9E72-49F1CAC08DC2}"/>
+                  </a:ext>
+                </a:extLst>
+              </p:cNvPr>
+              <p:cNvGrpSpPr/>
+              <p:nvPr/>
+            </p:nvGrpSpPr>
+            <p:grpSpPr>
+              <a:xfrm>
+                <a:off x="10721167" y="1615722"/>
+                <a:ext cx="1296532" cy="1198660"/>
+                <a:chOff x="9291144" y="3100552"/>
+                <a:chExt cx="2187117" cy="1786758"/>
+              </a:xfrm>
+            </p:grpSpPr>
+            <p:sp>
+              <p:nvSpPr>
+                <p:cNvPr id="10" name="Oval 9">
+                  <a:extLst>
+                    <a:ext uri="{FF2B5EF4-FFF2-40B4-BE49-F238E27FC236}">
+                      <a16:creationId xmlns:a16="http://schemas.microsoft.com/office/drawing/2014/main" id="{9EE77903-C726-438E-B154-01D71B705DBE}"/>
+                    </a:ext>
+                  </a:extLst>
+                </p:cNvPr>
+                <p:cNvSpPr/>
+                <p:nvPr/>
+              </p:nvSpPr>
+              <p:spPr>
+                <a:xfrm>
+                  <a:off x="10055823" y="3256771"/>
+                  <a:ext cx="1422438" cy="1545020"/>
+                </a:xfrm>
+                <a:prstGeom prst="ellipse">
+                  <a:avLst/>
+                </a:prstGeom>
+                <a:blipFill>
+                  <a:blip r:embed="rId9">
+                    <a:extLst>
+                      <a:ext uri="{837473B0-CC2E-450A-ABE3-18F120FF3D39}">
+                        <a1611:picAttrSrcUrl xmlns:a1611="http://schemas.microsoft.com/office/drawing/2016/11/main" r:id="rId10"/>
+                      </a:ext>
+                    </a:extLst>
+                  </a:blip>
+                  <a:stretch>
+                    <a:fillRect l="13233" t="17429" r="13233" b="17429"/>
+                  </a:stretch>
+                </a:blipFill>
+                <a:ln>
+                  <a:noFill/>
+                </a:ln>
+              </p:spPr>
+              <p:style>
+                <a:lnRef idx="2">
+                  <a:schemeClr val="accent1">
+                    <a:shade val="50000"/>
+                  </a:schemeClr>
+                </a:lnRef>
+                <a:fillRef idx="1">
+                  <a:schemeClr val="accent1"/>
+                </a:fillRef>
+                <a:effectRef idx="0">
+                  <a:schemeClr val="accent1"/>
+                </a:effectRef>
+                <a:fontRef idx="minor">
+                  <a:schemeClr val="lt1"/>
+                </a:fontRef>
+              </p:style>
+              <p:txBody>
+                <a:bodyPr rtlCol="0" anchor="ctr"/>
+                <a:lstStyle/>
+                <a:p>
+                  <a:pPr algn="ctr"/>
+                  <a:endParaRPr lang="it-IT"/>
+                </a:p>
+              </p:txBody>
+            </p:sp>
+            <p:pic>
+              <p:nvPicPr>
+                <p:cNvPr id="11" name="Graphic 10" descr="Volume with solid fill">
+                  <a:extLst>
+                    <a:ext uri="{FF2B5EF4-FFF2-40B4-BE49-F238E27FC236}">
+                      <a16:creationId xmlns:a16="http://schemas.microsoft.com/office/drawing/2014/main" id="{5F3FE3B9-A976-416A-84E1-282E8C98C449}"/>
+                    </a:ext>
+                  </a:extLst>
+                </p:cNvPr>
+                <p:cNvPicPr>
+                  <a:picLocks noChangeAspect="1"/>
+                </p:cNvPicPr>
+                <p:nvPr/>
+              </p:nvPicPr>
+              <p:blipFill>
+                <a:blip r:embed="rId4">
+                  <a:extLst>
+                    <a:ext uri="{28A0092B-C50C-407E-A947-70E740481C1C}">
+                      <a14:useLocalDpi xmlns:a14="http://schemas.microsoft.com/office/drawing/2010/main" val="0"/>
+                    </a:ext>
+                    <a:ext uri="{96DAC541-7B7A-43D3-8B79-37D633B846F1}">
+                      <asvg:svgBlip xmlns:asvg="http://schemas.microsoft.com/office/drawing/2016/SVG/main" r:embed="rId5"/>
+                    </a:ext>
+                  </a:extLst>
+                </a:blip>
+                <a:stretch>
+                  <a:fillRect/>
+                </a:stretch>
+              </p:blipFill>
+              <p:spPr>
+                <a:xfrm>
+                  <a:off x="9415446" y="3573516"/>
+                  <a:ext cx="914400" cy="914400"/>
+                </a:xfrm>
+                <a:prstGeom prst="rect">
+                  <a:avLst/>
+                </a:prstGeom>
+              </p:spPr>
+            </p:pic>
+            <p:sp>
+              <p:nvSpPr>
+                <p:cNvPr id="12" name="Rectangle: Rounded Corners 11">
+                  <a:extLst>
+                    <a:ext uri="{FF2B5EF4-FFF2-40B4-BE49-F238E27FC236}">
+                      <a16:creationId xmlns:a16="http://schemas.microsoft.com/office/drawing/2014/main" id="{F102ECB1-1569-47E2-855E-50CA88DC5BA0}"/>
+                    </a:ext>
+                  </a:extLst>
+                </p:cNvPr>
+                <p:cNvSpPr/>
+                <p:nvPr/>
+              </p:nvSpPr>
+              <p:spPr>
+                <a:xfrm>
+                  <a:off x="9291144" y="3100552"/>
+                  <a:ext cx="2081048" cy="1786758"/>
+                </a:xfrm>
+                <a:prstGeom prst="roundRect">
+                  <a:avLst/>
+                </a:prstGeom>
+                <a:noFill/>
+                <a:ln>
+                  <a:solidFill>
+                    <a:schemeClr val="bg2">
+                      <a:lumMod val="90000"/>
+                    </a:schemeClr>
+                  </a:solidFill>
+                </a:ln>
+              </p:spPr>
+              <p:style>
+                <a:lnRef idx="2">
+                  <a:schemeClr val="accent1">
+                    <a:shade val="50000"/>
+                  </a:schemeClr>
+                </a:lnRef>
+                <a:fillRef idx="1">
+                  <a:schemeClr val="accent1"/>
+                </a:fillRef>
+                <a:effectRef idx="0">
+                  <a:schemeClr val="accent1"/>
+                </a:effectRef>
+                <a:fontRef idx="minor">
+                  <a:schemeClr val="lt1"/>
+                </a:fontRef>
+              </p:style>
+              <p:txBody>
+                <a:bodyPr rtlCol="0" anchor="ctr"/>
+                <a:lstStyle/>
+                <a:p>
+                  <a:pPr algn="ctr"/>
+                  <a:endParaRPr lang="it-IT"/>
+                </a:p>
+              </p:txBody>
+            </p:sp>
+          </p:grpSp>
+          <p:grpSp>
+            <p:nvGrpSpPr>
+              <p:cNvPr id="21" name="Group 20">
+                <a:extLst>
+                  <a:ext uri="{FF2B5EF4-FFF2-40B4-BE49-F238E27FC236}">
+                    <a16:creationId xmlns:a16="http://schemas.microsoft.com/office/drawing/2014/main" id="{3CF7B1D2-F8A1-4CAF-80D3-0100C1BDB17A}"/>
+                  </a:ext>
+                </a:extLst>
+              </p:cNvPr>
+              <p:cNvGrpSpPr/>
+              <p:nvPr/>
+            </p:nvGrpSpPr>
+            <p:grpSpPr>
+              <a:xfrm>
+                <a:off x="5784946" y="1566357"/>
+                <a:ext cx="5507825" cy="3896410"/>
+                <a:chOff x="1679157" y="783822"/>
+                <a:chExt cx="8587695" cy="5227293"/>
+              </a:xfrm>
+            </p:grpSpPr>
+            <p:sp>
+              <p:nvSpPr>
+                <p:cNvPr id="27" name="Freeform: Shape 26">
+                  <a:extLst>
+                    <a:ext uri="{FF2B5EF4-FFF2-40B4-BE49-F238E27FC236}">
+                      <a16:creationId xmlns:a16="http://schemas.microsoft.com/office/drawing/2014/main" id="{CF7B54D5-7C7C-48DE-ABAA-1D6B8702B26F}"/>
+                    </a:ext>
+                  </a:extLst>
+                </p:cNvPr>
+                <p:cNvSpPr/>
+                <p:nvPr/>
+              </p:nvSpPr>
+              <p:spPr>
+                <a:xfrm>
+                  <a:off x="2799291" y="783822"/>
+                  <a:ext cx="6347427" cy="4293847"/>
+                </a:xfrm>
+                <a:custGeom>
+                  <a:avLst/>
+                  <a:gdLst>
+                    <a:gd name="connsiteX0" fmla="*/ 5787361 w 6347427"/>
+                    <a:gd name="connsiteY0" fmla="*/ 3733781 h 4293847"/>
+                    <a:gd name="connsiteX1" fmla="*/ 560067 w 6347427"/>
+                    <a:gd name="connsiteY1" fmla="*/ 3733781 h 4293847"/>
+                    <a:gd name="connsiteX2" fmla="*/ 560067 w 6347427"/>
+                    <a:gd name="connsiteY2" fmla="*/ 560067 h 4293847"/>
+                    <a:gd name="connsiteX3" fmla="*/ 5787361 w 6347427"/>
+                    <a:gd name="connsiteY3" fmla="*/ 560067 h 4293847"/>
+                    <a:gd name="connsiteX4" fmla="*/ 5787361 w 6347427"/>
+                    <a:gd name="connsiteY4" fmla="*/ 3733781 h 4293847"/>
+                    <a:gd name="connsiteX5" fmla="*/ 6347428 w 6347427"/>
+                    <a:gd name="connsiteY5" fmla="*/ 373378 h 4293847"/>
+                    <a:gd name="connsiteX6" fmla="*/ 5974050 w 6347427"/>
+                    <a:gd name="connsiteY6" fmla="*/ 0 h 4293847"/>
+                    <a:gd name="connsiteX7" fmla="*/ 373378 w 6347427"/>
+                    <a:gd name="connsiteY7" fmla="*/ 0 h 4293847"/>
+                    <a:gd name="connsiteX8" fmla="*/ 0 w 6347427"/>
+                    <a:gd name="connsiteY8" fmla="*/ 373378 h 4293847"/>
+                    <a:gd name="connsiteX9" fmla="*/ 0 w 6347427"/>
+                    <a:gd name="connsiteY9" fmla="*/ 4293848 h 4293847"/>
+                    <a:gd name="connsiteX10" fmla="*/ 6347428 w 6347427"/>
+                    <a:gd name="connsiteY10" fmla="*/ 4293848 h 4293847"/>
+                    <a:gd name="connsiteX11" fmla="*/ 6347428 w 6347427"/>
+                    <a:gd name="connsiteY11" fmla="*/ 373378 h 4293847"/>
+                  </a:gdLst>
+                  <a:ahLst/>
+                  <a:cxnLst>
+                    <a:cxn ang="0">
+                      <a:pos x="connsiteX0" y="connsiteY0"/>
+                    </a:cxn>
+                    <a:cxn ang="0">
+                      <a:pos x="connsiteX1" y="connsiteY1"/>
+                    </a:cxn>
+                    <a:cxn ang="0">
+                      <a:pos x="connsiteX2" y="connsiteY2"/>
+                    </a:cxn>
+                    <a:cxn ang="0">
+                      <a:pos x="connsiteX3" y="connsiteY3"/>
+                    </a:cxn>
+                    <a:cxn ang="0">
+                      <a:pos x="connsiteX4" y="connsiteY4"/>
+                    </a:cxn>
+                    <a:cxn ang="0">
+                      <a:pos x="connsiteX5" y="connsiteY5"/>
+                    </a:cxn>
+                    <a:cxn ang="0">
+                      <a:pos x="connsiteX6" y="connsiteY6"/>
+                    </a:cxn>
+                    <a:cxn ang="0">
+                      <a:pos x="connsiteX7" y="connsiteY7"/>
+                    </a:cxn>
+                    <a:cxn ang="0">
+                      <a:pos x="connsiteX8" y="connsiteY8"/>
+                    </a:cxn>
+                    <a:cxn ang="0">
+                      <a:pos x="connsiteX9" y="connsiteY9"/>
+                    </a:cxn>
+                    <a:cxn ang="0">
+                      <a:pos x="connsiteX10" y="connsiteY10"/>
+                    </a:cxn>
+                    <a:cxn ang="0">
+                      <a:pos x="connsiteX11" y="connsiteY11"/>
+                    </a:cxn>
+                  </a:cxnLst>
+                  <a:rect l="l" t="t" r="r" b="b"/>
+                  <a:pathLst>
+                    <a:path w="6347427" h="4293847">
+                      <a:moveTo>
+                        <a:pt x="5787361" y="3733781"/>
+                      </a:moveTo>
+                      <a:lnTo>
+                        <a:pt x="560067" y="3733781"/>
+                      </a:lnTo>
+                      <a:lnTo>
+                        <a:pt x="560067" y="560067"/>
+                      </a:lnTo>
+                      <a:lnTo>
+                        <a:pt x="5787361" y="560067"/>
+                      </a:lnTo>
+                      <a:lnTo>
+                        <a:pt x="5787361" y="3733781"/>
+                      </a:lnTo>
+                      <a:close/>
+                      <a:moveTo>
+                        <a:pt x="6347428" y="373378"/>
+                      </a:moveTo>
+                      <a:cubicBezTo>
+                        <a:pt x="6347428" y="168020"/>
+                        <a:pt x="6179407" y="0"/>
+                        <a:pt x="5974050" y="0"/>
+                      </a:cubicBezTo>
+                      <a:lnTo>
+                        <a:pt x="373378" y="0"/>
+                      </a:lnTo>
+                      <a:cubicBezTo>
+                        <a:pt x="168020" y="0"/>
+                        <a:pt x="0" y="168020"/>
+                        <a:pt x="0" y="373378"/>
+                      </a:cubicBezTo>
+                      <a:lnTo>
+                        <a:pt x="0" y="4293848"/>
+                      </a:lnTo>
+                      <a:lnTo>
+                        <a:pt x="6347428" y="4293848"/>
+                      </a:lnTo>
+                      <a:lnTo>
+                        <a:pt x="6347428" y="373378"/>
+                      </a:lnTo>
+                      <a:close/>
+                    </a:path>
+                  </a:pathLst>
+                </a:custGeom>
+                <a:solidFill>
+                  <a:schemeClr val="bg1">
+                    <a:lumMod val="65000"/>
+                  </a:schemeClr>
+                </a:solidFill>
+                <a:ln w="93266" cap="flat">
+                  <a:solidFill>
+                    <a:schemeClr val="tx1">
+                      <a:lumMod val="50000"/>
+                      <a:lumOff val="50000"/>
+                    </a:schemeClr>
+                  </a:solidFill>
+                  <a:prstDash val="solid"/>
+                  <a:miter/>
+                </a:ln>
+              </p:spPr>
+              <p:txBody>
+                <a:bodyPr rtlCol="0" anchor="ctr"/>
+                <a:lstStyle/>
+                <a:p>
+                  <a:endParaRPr lang="it-IT"/>
+                </a:p>
+              </p:txBody>
+            </p:sp>
+            <p:sp>
+              <p:nvSpPr>
+                <p:cNvPr id="28" name="Freeform: Shape 27">
+                  <a:extLst>
+                    <a:ext uri="{FF2B5EF4-FFF2-40B4-BE49-F238E27FC236}">
+                      <a16:creationId xmlns:a16="http://schemas.microsoft.com/office/drawing/2014/main" id="{DC768580-247D-4F75-A96D-52F5A2BA347C}"/>
+                    </a:ext>
+                  </a:extLst>
+                </p:cNvPr>
+                <p:cNvSpPr/>
+                <p:nvPr/>
+              </p:nvSpPr>
+              <p:spPr>
+                <a:xfrm>
+                  <a:off x="1679157" y="5451048"/>
+                  <a:ext cx="8587695" cy="560067"/>
+                </a:xfrm>
+                <a:custGeom>
+                  <a:avLst/>
+                  <a:gdLst>
+                    <a:gd name="connsiteX0" fmla="*/ 4853915 w 8587695"/>
+                    <a:gd name="connsiteY0" fmla="*/ 0 h 560067"/>
+                    <a:gd name="connsiteX1" fmla="*/ 4853915 w 8587695"/>
+                    <a:gd name="connsiteY1" fmla="*/ 93345 h 560067"/>
+                    <a:gd name="connsiteX2" fmla="*/ 4760571 w 8587695"/>
+                    <a:gd name="connsiteY2" fmla="*/ 186689 h 560067"/>
+                    <a:gd name="connsiteX3" fmla="*/ 3827125 w 8587695"/>
+                    <a:gd name="connsiteY3" fmla="*/ 186689 h 560067"/>
+                    <a:gd name="connsiteX4" fmla="*/ 3733781 w 8587695"/>
+                    <a:gd name="connsiteY4" fmla="*/ 93345 h 560067"/>
+                    <a:gd name="connsiteX5" fmla="*/ 3733781 w 8587695"/>
+                    <a:gd name="connsiteY5" fmla="*/ 0 h 560067"/>
+                    <a:gd name="connsiteX6" fmla="*/ 0 w 8587695"/>
+                    <a:gd name="connsiteY6" fmla="*/ 0 h 560067"/>
+                    <a:gd name="connsiteX7" fmla="*/ 0 w 8587695"/>
+                    <a:gd name="connsiteY7" fmla="*/ 186689 h 560067"/>
+                    <a:gd name="connsiteX8" fmla="*/ 373378 w 8587695"/>
+                    <a:gd name="connsiteY8" fmla="*/ 560067 h 560067"/>
+                    <a:gd name="connsiteX9" fmla="*/ 8214318 w 8587695"/>
+                    <a:gd name="connsiteY9" fmla="*/ 560067 h 560067"/>
+                    <a:gd name="connsiteX10" fmla="*/ 8587696 w 8587695"/>
+                    <a:gd name="connsiteY10" fmla="*/ 186689 h 560067"/>
+                    <a:gd name="connsiteX11" fmla="*/ 8587696 w 8587695"/>
+                    <a:gd name="connsiteY11" fmla="*/ 0 h 560067"/>
+                    <a:gd name="connsiteX12" fmla="*/ 4853915 w 8587695"/>
+                    <a:gd name="connsiteY12" fmla="*/ 0 h 560067"/>
+                  </a:gdLst>
+                  <a:ahLst/>
+                  <a:cxnLst>
+                    <a:cxn ang="0">
+                      <a:pos x="connsiteX0" y="connsiteY0"/>
+                    </a:cxn>
+                    <a:cxn ang="0">
+                      <a:pos x="connsiteX1" y="connsiteY1"/>
+                    </a:cxn>
+                    <a:cxn ang="0">
+                      <a:pos x="connsiteX2" y="connsiteY2"/>
+                    </a:cxn>
+                    <a:cxn ang="0">
+                      <a:pos x="connsiteX3" y="connsiteY3"/>
+                    </a:cxn>
+                    <a:cxn ang="0">
+                      <a:pos x="connsiteX4" y="connsiteY4"/>
+                    </a:cxn>
+                    <a:cxn ang="0">
+                      <a:pos x="connsiteX5" y="connsiteY5"/>
+                    </a:cxn>
+                    <a:cxn ang="0">
+                      <a:pos x="connsiteX6" y="connsiteY6"/>
+                    </a:cxn>
+                    <a:cxn ang="0">
+                      <a:pos x="connsiteX7" y="connsiteY7"/>
+                    </a:cxn>
+                    <a:cxn ang="0">
+                      <a:pos x="connsiteX8" y="connsiteY8"/>
+                    </a:cxn>
+                    <a:cxn ang="0">
+                      <a:pos x="connsiteX9" y="connsiteY9"/>
+                    </a:cxn>
+                    <a:cxn ang="0">
+                      <a:pos x="connsiteX10" y="connsiteY10"/>
+                    </a:cxn>
+                    <a:cxn ang="0">
+                      <a:pos x="connsiteX11" y="connsiteY11"/>
+                    </a:cxn>
+                    <a:cxn ang="0">
+                      <a:pos x="connsiteX12" y="connsiteY12"/>
+                    </a:cxn>
+                  </a:cxnLst>
+                  <a:rect l="l" t="t" r="r" b="b"/>
+                  <a:pathLst>
+                    <a:path w="8587695" h="560067">
+                      <a:moveTo>
+                        <a:pt x="4853915" y="0"/>
+                      </a:moveTo>
+                      <a:lnTo>
+                        <a:pt x="4853915" y="93345"/>
+                      </a:lnTo>
+                      <a:cubicBezTo>
+                        <a:pt x="4853915" y="149351"/>
+                        <a:pt x="4816577" y="186689"/>
+                        <a:pt x="4760571" y="186689"/>
+                      </a:cubicBezTo>
+                      <a:lnTo>
+                        <a:pt x="3827125" y="186689"/>
+                      </a:lnTo>
+                      <a:cubicBezTo>
+                        <a:pt x="3771119" y="186689"/>
+                        <a:pt x="3733781" y="149351"/>
+                        <a:pt x="3733781" y="93345"/>
+                      </a:cubicBezTo>
+                      <a:lnTo>
+                        <a:pt x="3733781" y="0"/>
+                      </a:lnTo>
+                      <a:lnTo>
+                        <a:pt x="0" y="0"/>
+                      </a:lnTo>
+                      <a:lnTo>
+                        <a:pt x="0" y="186689"/>
+                      </a:lnTo>
+                      <a:cubicBezTo>
+                        <a:pt x="0" y="392047"/>
+                        <a:pt x="168020" y="560067"/>
+                        <a:pt x="373378" y="560067"/>
+                      </a:cubicBezTo>
+                      <a:lnTo>
+                        <a:pt x="8214318" y="560067"/>
+                      </a:lnTo>
+                      <a:cubicBezTo>
+                        <a:pt x="8419675" y="560067"/>
+                        <a:pt x="8587696" y="392047"/>
+                        <a:pt x="8587696" y="186689"/>
+                      </a:cubicBezTo>
+                      <a:lnTo>
+                        <a:pt x="8587696" y="0"/>
+                      </a:lnTo>
+                      <a:lnTo>
+                        <a:pt x="4853915" y="0"/>
+                      </a:lnTo>
+                      <a:close/>
+                    </a:path>
+                  </a:pathLst>
+                </a:custGeom>
+                <a:solidFill>
+                  <a:schemeClr val="bg1">
+                    <a:lumMod val="65000"/>
+                  </a:schemeClr>
+                </a:solidFill>
+                <a:ln w="93266" cap="flat">
+                  <a:solidFill>
+                    <a:schemeClr val="tx1">
+                      <a:lumMod val="50000"/>
+                      <a:lumOff val="50000"/>
+                    </a:schemeClr>
+                  </a:solidFill>
+                  <a:prstDash val="solid"/>
+                  <a:miter/>
+                </a:ln>
+              </p:spPr>
+              <p:txBody>
+                <a:bodyPr rtlCol="0" anchor="ctr"/>
+                <a:lstStyle/>
+                <a:p>
+                  <a:endParaRPr lang="it-IT"/>
+                </a:p>
+              </p:txBody>
+            </p:sp>
+          </p:grpSp>
+        </p:grpSp>
+        <p:sp>
+          <p:nvSpPr>
+            <p:cNvPr id="19" name="Rectangle 18">
+              <a:extLst>
+                <a:ext uri="{FF2B5EF4-FFF2-40B4-BE49-F238E27FC236}">
+                  <a16:creationId xmlns:a16="http://schemas.microsoft.com/office/drawing/2014/main" id="{F920F3D2-092D-427B-9E97-45482A797019}"/>
+                </a:ext>
+              </a:extLst>
+            </p:cNvPr>
+            <p:cNvSpPr/>
+            <p:nvPr/>
+          </p:nvSpPr>
+          <p:spPr>
+            <a:xfrm>
+              <a:off x="7984095" y="2689993"/>
+              <a:ext cx="1017882" cy="908788"/>
+            </a:xfrm>
+            <a:prstGeom prst="rect">
+              <a:avLst/>
+            </a:prstGeom>
+            <a:solidFill>
+              <a:srgbClr val="0000FE"/>
+            </a:solidFill>
+            <a:ln>
+              <a:noFill/>
+            </a:ln>
+          </p:spPr>
+          <p:style>
+            <a:lnRef idx="2">
+              <a:schemeClr val="accent1">
+                <a:shade val="50000"/>
+              </a:schemeClr>
+            </a:lnRef>
+            <a:fillRef idx="1">
+              <a:schemeClr val="accent1"/>
+            </a:fillRef>
+            <a:effectRef idx="0">
+              <a:schemeClr val="accent1"/>
+            </a:effectRef>
+            <a:fontRef idx="minor">
+              <a:schemeClr val="lt1"/>
+            </a:fontRef>
+          </p:style>
+          <p:txBody>
+            <a:bodyPr rtlCol="0" anchor="ctr"/>
+            <a:lstStyle/>
+            <a:p>
+              <a:pPr algn="ctr"/>
+              <a:endParaRPr lang="it-IT"/>
+            </a:p>
+          </p:txBody>
+        </p:sp>
+      </p:grpSp>
+    </p:spTree>
+    <p:extLst>
+      <p:ext uri="{BB962C8B-B14F-4D97-AF65-F5344CB8AC3E}">
+        <p14:creationId xmlns:p14="http://schemas.microsoft.com/office/powerpoint/2010/main" val="4253408569"/>
+      </p:ext>
+    </p:extLst>
+  </p:cSld>
+  <p:clrMapOvr>
+    <a:masterClrMapping/>
+  </p:clrMapOvr>
+</p:sld>
+</file>
+
 <file path=ppt/slides/slide3.xml><?xml version="1.0" encoding="utf-8"?>
 <p:sld xmlns:a="http://schemas.openxmlformats.org/drawingml/2006/main" xmlns:r="http://schemas.openxmlformats.org/officeDocument/2006/relationships" xmlns:p="http://schemas.openxmlformats.org/presentationml/2006/main">
   <p:cSld>
